--- a/documents/요구사항.pptx
+++ b/documents/요구사항.pptx
@@ -12,6 +12,7 @@
     <p:sldId id="260" r:id="rId6"/>
     <p:sldId id="261" r:id="rId7"/>
     <p:sldId id="262" r:id="rId8"/>
+    <p:sldId id="263" r:id="rId9"/>
   </p:sldIdLst>
   <p:sldSz cx="12192000" cy="6858000"/>
   <p:notesSz cx="6858000" cy="9144000"/>
@@ -265,7 +266,7 @@
           <a:p>
             <a:fld id="{77B15A94-9E6A-4066-9B3A-704EEDD8C17B}" type="datetimeFigureOut">
               <a:rPr lang="ko-KR" altLang="en-US" smtClean="0"/>
-              <a:t>2021-03-18</a:t>
+              <a:t>2021-04-06</a:t>
             </a:fld>
             <a:endParaRPr lang="ko-KR" altLang="en-US"/>
           </a:p>
@@ -463,7 +464,7 @@
           <a:p>
             <a:fld id="{77B15A94-9E6A-4066-9B3A-704EEDD8C17B}" type="datetimeFigureOut">
               <a:rPr lang="ko-KR" altLang="en-US" smtClean="0"/>
-              <a:t>2021-03-18</a:t>
+              <a:t>2021-04-06</a:t>
             </a:fld>
             <a:endParaRPr lang="ko-KR" altLang="en-US"/>
           </a:p>
@@ -671,7 +672,7 @@
           <a:p>
             <a:fld id="{77B15A94-9E6A-4066-9B3A-704EEDD8C17B}" type="datetimeFigureOut">
               <a:rPr lang="ko-KR" altLang="en-US" smtClean="0"/>
-              <a:t>2021-03-18</a:t>
+              <a:t>2021-04-06</a:t>
             </a:fld>
             <a:endParaRPr lang="ko-KR" altLang="en-US"/>
           </a:p>
@@ -869,7 +870,7 @@
           <a:p>
             <a:fld id="{77B15A94-9E6A-4066-9B3A-704EEDD8C17B}" type="datetimeFigureOut">
               <a:rPr lang="ko-KR" altLang="en-US" smtClean="0"/>
-              <a:t>2021-03-18</a:t>
+              <a:t>2021-04-06</a:t>
             </a:fld>
             <a:endParaRPr lang="ko-KR" altLang="en-US"/>
           </a:p>
@@ -1144,7 +1145,7 @@
           <a:p>
             <a:fld id="{77B15A94-9E6A-4066-9B3A-704EEDD8C17B}" type="datetimeFigureOut">
               <a:rPr lang="ko-KR" altLang="en-US" smtClean="0"/>
-              <a:t>2021-03-18</a:t>
+              <a:t>2021-04-06</a:t>
             </a:fld>
             <a:endParaRPr lang="ko-KR" altLang="en-US"/>
           </a:p>
@@ -1409,7 +1410,7 @@
           <a:p>
             <a:fld id="{77B15A94-9E6A-4066-9B3A-704EEDD8C17B}" type="datetimeFigureOut">
               <a:rPr lang="ko-KR" altLang="en-US" smtClean="0"/>
-              <a:t>2021-03-18</a:t>
+              <a:t>2021-04-06</a:t>
             </a:fld>
             <a:endParaRPr lang="ko-KR" altLang="en-US"/>
           </a:p>
@@ -1821,7 +1822,7 @@
           <a:p>
             <a:fld id="{77B15A94-9E6A-4066-9B3A-704EEDD8C17B}" type="datetimeFigureOut">
               <a:rPr lang="ko-KR" altLang="en-US" smtClean="0"/>
-              <a:t>2021-03-18</a:t>
+              <a:t>2021-04-06</a:t>
             </a:fld>
             <a:endParaRPr lang="ko-KR" altLang="en-US"/>
           </a:p>
@@ -1962,7 +1963,7 @@
           <a:p>
             <a:fld id="{77B15A94-9E6A-4066-9B3A-704EEDD8C17B}" type="datetimeFigureOut">
               <a:rPr lang="ko-KR" altLang="en-US" smtClean="0"/>
-              <a:t>2021-03-18</a:t>
+              <a:t>2021-04-06</a:t>
             </a:fld>
             <a:endParaRPr lang="ko-KR" altLang="en-US"/>
           </a:p>
@@ -2075,7 +2076,7 @@
           <a:p>
             <a:fld id="{77B15A94-9E6A-4066-9B3A-704EEDD8C17B}" type="datetimeFigureOut">
               <a:rPr lang="ko-KR" altLang="en-US" smtClean="0"/>
-              <a:t>2021-03-18</a:t>
+              <a:t>2021-04-06</a:t>
             </a:fld>
             <a:endParaRPr lang="ko-KR" altLang="en-US"/>
           </a:p>
@@ -2386,7 +2387,7 @@
           <a:p>
             <a:fld id="{77B15A94-9E6A-4066-9B3A-704EEDD8C17B}" type="datetimeFigureOut">
               <a:rPr lang="ko-KR" altLang="en-US" smtClean="0"/>
-              <a:t>2021-03-18</a:t>
+              <a:t>2021-04-06</a:t>
             </a:fld>
             <a:endParaRPr lang="ko-KR" altLang="en-US"/>
           </a:p>
@@ -2674,7 +2675,7 @@
           <a:p>
             <a:fld id="{77B15A94-9E6A-4066-9B3A-704EEDD8C17B}" type="datetimeFigureOut">
               <a:rPr lang="ko-KR" altLang="en-US" smtClean="0"/>
-              <a:t>2021-03-18</a:t>
+              <a:t>2021-04-06</a:t>
             </a:fld>
             <a:endParaRPr lang="ko-KR" altLang="en-US"/>
           </a:p>
@@ -2915,7 +2916,7 @@
           <a:p>
             <a:fld id="{77B15A94-9E6A-4066-9B3A-704EEDD8C17B}" type="datetimeFigureOut">
               <a:rPr lang="ko-KR" altLang="en-US" smtClean="0"/>
-              <a:t>2021-03-18</a:t>
+              <a:t>2021-04-06</a:t>
             </a:fld>
             <a:endParaRPr lang="ko-KR" altLang="en-US"/>
           </a:p>
@@ -12103,33 +12104,6 @@
               </a:rPr>
               <a:t>개 생성</a:t>
             </a:r>
-            <a:r>
-              <a:rPr lang="en-US" altLang="ko-KR" dirty="0">
-                <a:solidFill>
-                  <a:schemeClr val="tx1"/>
-                </a:solidFill>
-              </a:rPr>
-              <a:t>, </a:t>
-            </a:r>
-            <a:r>
-              <a:rPr lang="ko-KR" altLang="en-US" dirty="0">
-                <a:solidFill>
-                  <a:schemeClr val="tx1"/>
-                </a:solidFill>
-              </a:rPr>
-              <a:t>타입은 </a:t>
-            </a:r>
-            <a:r>
-              <a:rPr lang="en-US" altLang="ko-KR" dirty="0">
-                <a:solidFill>
-                  <a:schemeClr val="tx1"/>
-                </a:solidFill>
-              </a:rPr>
-              <a:t>Boolean</a:t>
-            </a:r>
-          </a:p>
-          <a:p>
-            <a:pPr algn="ctr"/>
             <a:endParaRPr lang="en-US" altLang="ko-KR" dirty="0">
               <a:solidFill>
                 <a:schemeClr val="tx1"/>
@@ -12480,6 +12454,1268 @@
     <p:extLst>
       <p:ext uri="{BB962C8B-B14F-4D97-AF65-F5344CB8AC3E}">
         <p14:creationId xmlns:p14="http://schemas.microsoft.com/office/powerpoint/2010/main" val="3474864014"/>
+      </p:ext>
+    </p:extLst>
+  </p:cSld>
+  <p:clrMapOvr>
+    <a:masterClrMapping/>
+  </p:clrMapOvr>
+</p:sld>
+</file>
+
+<file path=ppt/slides/slide8.xml><?xml version="1.0" encoding="utf-8"?>
+<p:sld xmlns:a="http://schemas.openxmlformats.org/drawingml/2006/main" xmlns:r="http://schemas.openxmlformats.org/officeDocument/2006/relationships" xmlns:p="http://schemas.openxmlformats.org/presentationml/2006/main">
+  <p:cSld>
+    <p:spTree>
+      <p:nvGrpSpPr>
+        <p:cNvPr id="1" name=""/>
+        <p:cNvGrpSpPr/>
+        <p:nvPr/>
+      </p:nvGrpSpPr>
+      <p:grpSpPr>
+        <a:xfrm>
+          <a:off x="0" y="0"/>
+          <a:ext cx="0" cy="0"/>
+          <a:chOff x="0" y="0"/>
+          <a:chExt cx="0" cy="0"/>
+        </a:xfrm>
+      </p:grpSpPr>
+      <p:sp>
+        <p:nvSpPr>
+          <p:cNvPr id="2" name="제목 1">
+            <a:extLst>
+              <a:ext uri="{FF2B5EF4-FFF2-40B4-BE49-F238E27FC236}">
+                <a16:creationId xmlns:a16="http://schemas.microsoft.com/office/drawing/2014/main" id="{4E0EBC2D-FD36-4127-A92E-D3D7F8CCFDC0}"/>
+              </a:ext>
+            </a:extLst>
+          </p:cNvPr>
+          <p:cNvSpPr>
+            <a:spLocks noGrp="1"/>
+          </p:cNvSpPr>
+          <p:nvPr>
+            <p:ph type="title"/>
+          </p:nvPr>
+        </p:nvSpPr>
+        <p:spPr/>
+        <p:txBody>
+          <a:bodyPr/>
+          <a:lstStyle/>
+          <a:p>
+            <a:r>
+              <a:rPr lang="ko-KR" altLang="en-US" dirty="0" err="1"/>
+              <a:t>오셀로</a:t>
+            </a:r>
+            <a:r>
+              <a:rPr lang="en-US" altLang="ko-KR" dirty="0"/>
+              <a:t>	</a:t>
+            </a:r>
+            <a:endParaRPr lang="ko-KR" altLang="en-US" dirty="0"/>
+          </a:p>
+        </p:txBody>
+      </p:sp>
+      <p:sp>
+        <p:nvSpPr>
+          <p:cNvPr id="4" name="직사각형 3">
+            <a:extLst>
+              <a:ext uri="{FF2B5EF4-FFF2-40B4-BE49-F238E27FC236}">
+                <a16:creationId xmlns:a16="http://schemas.microsoft.com/office/drawing/2014/main" id="{7F96B20D-6DEF-4D6E-8AD8-0998B3C220AE}"/>
+              </a:ext>
+            </a:extLst>
+          </p:cNvPr>
+          <p:cNvSpPr/>
+          <p:nvPr/>
+        </p:nvSpPr>
+        <p:spPr>
+          <a:xfrm>
+            <a:off x="5700132" y="4061038"/>
+            <a:ext cx="1304693" cy="724829"/>
+          </a:xfrm>
+          <a:prstGeom prst="rect">
+            <a:avLst/>
+          </a:prstGeom>
+          <a:noFill/>
+          <a:ln>
+            <a:solidFill>
+              <a:schemeClr val="tx2"/>
+            </a:solidFill>
+          </a:ln>
+        </p:spPr>
+        <p:style>
+          <a:lnRef idx="2">
+            <a:schemeClr val="accent1">
+              <a:shade val="50000"/>
+            </a:schemeClr>
+          </a:lnRef>
+          <a:fillRef idx="1">
+            <a:schemeClr val="accent1"/>
+          </a:fillRef>
+          <a:effectRef idx="0">
+            <a:schemeClr val="accent1"/>
+          </a:effectRef>
+          <a:fontRef idx="minor">
+            <a:schemeClr val="lt1"/>
+          </a:fontRef>
+        </p:style>
+        <p:txBody>
+          <a:bodyPr rtlCol="0" anchor="ctr"/>
+          <a:lstStyle/>
+          <a:p>
+            <a:pPr algn="ctr"/>
+            <a:r>
+              <a:rPr lang="en-US" altLang="ko-KR" dirty="0">
+                <a:solidFill>
+                  <a:schemeClr val="tx1"/>
+                </a:solidFill>
+              </a:rPr>
+              <a:t>dealer2</a:t>
+            </a:r>
+            <a:endParaRPr lang="ko-KR" altLang="en-US" dirty="0">
+              <a:solidFill>
+                <a:schemeClr val="tx1"/>
+              </a:solidFill>
+            </a:endParaRPr>
+          </a:p>
+        </p:txBody>
+      </p:sp>
+      <p:sp>
+        <p:nvSpPr>
+          <p:cNvPr id="5" name="직사각형 4">
+            <a:extLst>
+              <a:ext uri="{FF2B5EF4-FFF2-40B4-BE49-F238E27FC236}">
+                <a16:creationId xmlns:a16="http://schemas.microsoft.com/office/drawing/2014/main" id="{F6B8E559-85C9-4197-9D68-BCE32A5ACFDD}"/>
+              </a:ext>
+            </a:extLst>
+          </p:cNvPr>
+          <p:cNvSpPr/>
+          <p:nvPr/>
+        </p:nvSpPr>
+        <p:spPr>
+          <a:xfrm>
+            <a:off x="4851709" y="5498548"/>
+            <a:ext cx="1304693" cy="724829"/>
+          </a:xfrm>
+          <a:prstGeom prst="rect">
+            <a:avLst/>
+          </a:prstGeom>
+          <a:noFill/>
+          <a:ln>
+            <a:solidFill>
+              <a:schemeClr val="tx2"/>
+            </a:solidFill>
+          </a:ln>
+        </p:spPr>
+        <p:style>
+          <a:lnRef idx="2">
+            <a:schemeClr val="accent1">
+              <a:shade val="50000"/>
+            </a:schemeClr>
+          </a:lnRef>
+          <a:fillRef idx="1">
+            <a:schemeClr val="accent1"/>
+          </a:fillRef>
+          <a:effectRef idx="0">
+            <a:schemeClr val="accent1"/>
+          </a:effectRef>
+          <a:fontRef idx="minor">
+            <a:schemeClr val="lt1"/>
+          </a:fontRef>
+        </p:style>
+        <p:txBody>
+          <a:bodyPr rtlCol="0" anchor="ctr"/>
+          <a:lstStyle/>
+          <a:p>
+            <a:pPr algn="ctr"/>
+            <a:r>
+              <a:rPr lang="en-US" altLang="ko-KR" dirty="0">
+                <a:solidFill>
+                  <a:schemeClr val="tx1"/>
+                </a:solidFill>
+              </a:rPr>
+              <a:t>player2.1</a:t>
+            </a:r>
+            <a:endParaRPr lang="ko-KR" altLang="en-US" dirty="0">
+              <a:solidFill>
+                <a:schemeClr val="tx1"/>
+              </a:solidFill>
+            </a:endParaRPr>
+          </a:p>
+        </p:txBody>
+      </p:sp>
+      <p:sp>
+        <p:nvSpPr>
+          <p:cNvPr id="6" name="직사각형 5">
+            <a:extLst>
+              <a:ext uri="{FF2B5EF4-FFF2-40B4-BE49-F238E27FC236}">
+                <a16:creationId xmlns:a16="http://schemas.microsoft.com/office/drawing/2014/main" id="{88E48801-5E02-4011-8646-2D1E9F917182}"/>
+              </a:ext>
+            </a:extLst>
+          </p:cNvPr>
+          <p:cNvSpPr/>
+          <p:nvPr/>
+        </p:nvSpPr>
+        <p:spPr>
+          <a:xfrm>
+            <a:off x="6548558" y="5498548"/>
+            <a:ext cx="1304693" cy="724829"/>
+          </a:xfrm>
+          <a:prstGeom prst="rect">
+            <a:avLst/>
+          </a:prstGeom>
+          <a:noFill/>
+          <a:ln>
+            <a:solidFill>
+              <a:schemeClr val="tx2"/>
+            </a:solidFill>
+          </a:ln>
+        </p:spPr>
+        <p:style>
+          <a:lnRef idx="2">
+            <a:schemeClr val="accent1">
+              <a:shade val="50000"/>
+            </a:schemeClr>
+          </a:lnRef>
+          <a:fillRef idx="1">
+            <a:schemeClr val="accent1"/>
+          </a:fillRef>
+          <a:effectRef idx="0">
+            <a:schemeClr val="accent1"/>
+          </a:effectRef>
+          <a:fontRef idx="minor">
+            <a:schemeClr val="lt1"/>
+          </a:fontRef>
+        </p:style>
+        <p:txBody>
+          <a:bodyPr rtlCol="0" anchor="ctr"/>
+          <a:lstStyle/>
+          <a:p>
+            <a:pPr algn="ctr"/>
+            <a:r>
+              <a:rPr lang="en-US" altLang="ko-KR" dirty="0">
+                <a:solidFill>
+                  <a:schemeClr val="tx1"/>
+                </a:solidFill>
+              </a:rPr>
+              <a:t>player2.2</a:t>
+            </a:r>
+            <a:endParaRPr lang="ko-KR" altLang="en-US" dirty="0">
+              <a:solidFill>
+                <a:schemeClr val="tx1"/>
+              </a:solidFill>
+            </a:endParaRPr>
+          </a:p>
+        </p:txBody>
+      </p:sp>
+      <p:cxnSp>
+        <p:nvCxnSpPr>
+          <p:cNvPr id="8" name="직선 화살표 연결선 7">
+            <a:extLst>
+              <a:ext uri="{FF2B5EF4-FFF2-40B4-BE49-F238E27FC236}">
+                <a16:creationId xmlns:a16="http://schemas.microsoft.com/office/drawing/2014/main" id="{864C807A-26F9-4EE9-A4E8-A250932EA252}"/>
+              </a:ext>
+            </a:extLst>
+          </p:cNvPr>
+          <p:cNvCxnSpPr>
+            <a:stCxn id="4" idx="2"/>
+            <a:endCxn id="5" idx="0"/>
+          </p:cNvCxnSpPr>
+          <p:nvPr/>
+        </p:nvCxnSpPr>
+        <p:spPr>
+          <a:xfrm flipH="1">
+            <a:off x="5504056" y="4785867"/>
+            <a:ext cx="848423" cy="712681"/>
+          </a:xfrm>
+          <a:prstGeom prst="straightConnector1">
+            <a:avLst/>
+          </a:prstGeom>
+          <a:ln>
+            <a:solidFill>
+              <a:schemeClr val="tx1"/>
+            </a:solidFill>
+            <a:tailEnd type="triangle"/>
+          </a:ln>
+        </p:spPr>
+        <p:style>
+          <a:lnRef idx="1">
+            <a:schemeClr val="accent1"/>
+          </a:lnRef>
+          <a:fillRef idx="0">
+            <a:schemeClr val="accent1"/>
+          </a:fillRef>
+          <a:effectRef idx="0">
+            <a:schemeClr val="accent1"/>
+          </a:effectRef>
+          <a:fontRef idx="minor">
+            <a:schemeClr val="tx1"/>
+          </a:fontRef>
+        </p:style>
+      </p:cxnSp>
+      <p:cxnSp>
+        <p:nvCxnSpPr>
+          <p:cNvPr id="9" name="직선 화살표 연결선 8">
+            <a:extLst>
+              <a:ext uri="{FF2B5EF4-FFF2-40B4-BE49-F238E27FC236}">
+                <a16:creationId xmlns:a16="http://schemas.microsoft.com/office/drawing/2014/main" id="{46E5F995-2B44-458C-A1F5-16B2C3A45FC2}"/>
+              </a:ext>
+            </a:extLst>
+          </p:cNvPr>
+          <p:cNvCxnSpPr>
+            <a:cxnSpLocks/>
+            <a:stCxn id="4" idx="2"/>
+            <a:endCxn id="6" idx="0"/>
+          </p:cNvCxnSpPr>
+          <p:nvPr/>
+        </p:nvCxnSpPr>
+        <p:spPr>
+          <a:xfrm>
+            <a:off x="6352479" y="4785867"/>
+            <a:ext cx="848426" cy="712681"/>
+          </a:xfrm>
+          <a:prstGeom prst="straightConnector1">
+            <a:avLst/>
+          </a:prstGeom>
+          <a:ln>
+            <a:solidFill>
+              <a:schemeClr val="tx1"/>
+            </a:solidFill>
+            <a:tailEnd type="triangle"/>
+          </a:ln>
+        </p:spPr>
+        <p:style>
+          <a:lnRef idx="1">
+            <a:schemeClr val="accent1"/>
+          </a:lnRef>
+          <a:fillRef idx="0">
+            <a:schemeClr val="accent1"/>
+          </a:fillRef>
+          <a:effectRef idx="0">
+            <a:schemeClr val="accent1"/>
+          </a:effectRef>
+          <a:fontRef idx="minor">
+            <a:schemeClr val="tx1"/>
+          </a:fontRef>
+        </p:style>
+      </p:cxnSp>
+      <p:sp>
+        <p:nvSpPr>
+          <p:cNvPr id="17" name="직사각형 16">
+            <a:extLst>
+              <a:ext uri="{FF2B5EF4-FFF2-40B4-BE49-F238E27FC236}">
+                <a16:creationId xmlns:a16="http://schemas.microsoft.com/office/drawing/2014/main" id="{9D9EAC7C-74FB-487C-8F6A-E4E72E6E5336}"/>
+              </a:ext>
+            </a:extLst>
+          </p:cNvPr>
+          <p:cNvSpPr/>
+          <p:nvPr/>
+        </p:nvSpPr>
+        <p:spPr>
+          <a:xfrm>
+            <a:off x="9321489" y="2954910"/>
+            <a:ext cx="2032311" cy="517253"/>
+          </a:xfrm>
+          <a:prstGeom prst="rect">
+            <a:avLst/>
+          </a:prstGeom>
+          <a:noFill/>
+          <a:ln>
+            <a:solidFill>
+              <a:schemeClr val="tx2"/>
+            </a:solidFill>
+          </a:ln>
+        </p:spPr>
+        <p:style>
+          <a:lnRef idx="2">
+            <a:schemeClr val="accent1">
+              <a:shade val="50000"/>
+            </a:schemeClr>
+          </a:lnRef>
+          <a:fillRef idx="1">
+            <a:schemeClr val="accent1"/>
+          </a:fillRef>
+          <a:effectRef idx="0">
+            <a:schemeClr val="accent1"/>
+          </a:effectRef>
+          <a:fontRef idx="minor">
+            <a:schemeClr val="lt1"/>
+          </a:fontRef>
+        </p:style>
+        <p:txBody>
+          <a:bodyPr rtlCol="0" anchor="ctr"/>
+          <a:lstStyle/>
+          <a:p>
+            <a:pPr algn="ctr"/>
+            <a:r>
+              <a:rPr lang="en-US" altLang="ko-KR" dirty="0">
+                <a:solidFill>
+                  <a:schemeClr val="tx1"/>
+                </a:solidFill>
+              </a:rPr>
+              <a:t>player</a:t>
+            </a:r>
+            <a:endParaRPr lang="ko-KR" altLang="en-US" dirty="0">
+              <a:solidFill>
+                <a:schemeClr val="tx1"/>
+              </a:solidFill>
+            </a:endParaRPr>
+          </a:p>
+        </p:txBody>
+      </p:sp>
+      <p:sp>
+        <p:nvSpPr>
+          <p:cNvPr id="18" name="직사각형 17">
+            <a:extLst>
+              <a:ext uri="{FF2B5EF4-FFF2-40B4-BE49-F238E27FC236}">
+                <a16:creationId xmlns:a16="http://schemas.microsoft.com/office/drawing/2014/main" id="{22D56CE7-5E34-43D9-A59D-F9DAC090EA99}"/>
+              </a:ext>
+            </a:extLst>
+          </p:cNvPr>
+          <p:cNvSpPr/>
+          <p:nvPr/>
+        </p:nvSpPr>
+        <p:spPr>
+          <a:xfrm>
+            <a:off x="9321489" y="3472164"/>
+            <a:ext cx="2032311" cy="1959478"/>
+          </a:xfrm>
+          <a:prstGeom prst="rect">
+            <a:avLst/>
+          </a:prstGeom>
+          <a:noFill/>
+          <a:ln>
+            <a:solidFill>
+              <a:schemeClr val="tx2"/>
+            </a:solidFill>
+          </a:ln>
+        </p:spPr>
+        <p:style>
+          <a:lnRef idx="2">
+            <a:schemeClr val="accent1">
+              <a:shade val="50000"/>
+            </a:schemeClr>
+          </a:lnRef>
+          <a:fillRef idx="1">
+            <a:schemeClr val="accent1"/>
+          </a:fillRef>
+          <a:effectRef idx="0">
+            <a:schemeClr val="accent1"/>
+          </a:effectRef>
+          <a:fontRef idx="minor">
+            <a:schemeClr val="lt1"/>
+          </a:fontRef>
+        </p:style>
+        <p:txBody>
+          <a:bodyPr rtlCol="0" anchor="ctr"/>
+          <a:lstStyle/>
+          <a:p>
+            <a:pPr algn="ctr"/>
+            <a:r>
+              <a:rPr lang="en-US" altLang="ko-KR" dirty="0">
+                <a:solidFill>
+                  <a:schemeClr val="tx1"/>
+                </a:solidFill>
+              </a:rPr>
+              <a:t>Link();</a:t>
+            </a:r>
+          </a:p>
+          <a:p>
+            <a:pPr algn="ctr"/>
+            <a:r>
+              <a:rPr lang="en-US" altLang="ko-KR" dirty="0" err="1">
+                <a:solidFill>
+                  <a:schemeClr val="tx1"/>
+                </a:solidFill>
+              </a:rPr>
+              <a:t>NodeToField</a:t>
+            </a:r>
+            <a:r>
+              <a:rPr lang="en-US" altLang="ko-KR" dirty="0">
+                <a:solidFill>
+                  <a:schemeClr val="tx1"/>
+                </a:solidFill>
+              </a:rPr>
+              <a:t>();</a:t>
+            </a:r>
+          </a:p>
+          <a:p>
+            <a:pPr algn="ctr"/>
+            <a:r>
+              <a:rPr lang="en-US" altLang="ko-KR" dirty="0" err="1">
+                <a:solidFill>
+                  <a:schemeClr val="tx1"/>
+                </a:solidFill>
+              </a:rPr>
+              <a:t>FieldToNode</a:t>
+            </a:r>
+            <a:r>
+              <a:rPr lang="en-US" altLang="ko-KR" dirty="0">
+                <a:solidFill>
+                  <a:schemeClr val="tx1"/>
+                </a:solidFill>
+              </a:rPr>
+              <a:t>();</a:t>
+            </a:r>
+          </a:p>
+          <a:p>
+            <a:pPr algn="ctr"/>
+            <a:r>
+              <a:rPr lang="en-US" altLang="ko-KR" dirty="0" err="1">
+                <a:solidFill>
+                  <a:schemeClr val="tx1"/>
+                </a:solidFill>
+              </a:rPr>
+              <a:t>NextTurn</a:t>
+            </a:r>
+            <a:r>
+              <a:rPr lang="en-US" altLang="ko-KR" dirty="0">
+                <a:solidFill>
+                  <a:schemeClr val="tx1"/>
+                </a:solidFill>
+              </a:rPr>
+              <a:t>();</a:t>
+            </a:r>
+          </a:p>
+          <a:p>
+            <a:pPr algn="ctr"/>
+            <a:r>
+              <a:rPr lang="en-US" altLang="ko-KR" dirty="0">
+                <a:solidFill>
+                  <a:schemeClr val="tx1"/>
+                </a:solidFill>
+              </a:rPr>
+              <a:t>Lay();</a:t>
+            </a:r>
+          </a:p>
+          <a:p>
+            <a:pPr algn="ctr"/>
+            <a:r>
+              <a:rPr lang="en-US" altLang="ko-KR" dirty="0">
+                <a:solidFill>
+                  <a:schemeClr val="tx1"/>
+                </a:solidFill>
+              </a:rPr>
+              <a:t>Seek();</a:t>
+            </a:r>
+            <a:endParaRPr lang="ko-KR" altLang="en-US" dirty="0">
+              <a:solidFill>
+                <a:schemeClr val="tx1"/>
+              </a:solidFill>
+            </a:endParaRPr>
+          </a:p>
+        </p:txBody>
+      </p:sp>
+      <p:sp>
+        <p:nvSpPr>
+          <p:cNvPr id="19" name="직사각형 18">
+            <a:extLst>
+              <a:ext uri="{FF2B5EF4-FFF2-40B4-BE49-F238E27FC236}">
+                <a16:creationId xmlns:a16="http://schemas.microsoft.com/office/drawing/2014/main" id="{9FC29683-F31C-4AB2-9394-F79AF7FE3E95}"/>
+              </a:ext>
+            </a:extLst>
+          </p:cNvPr>
+          <p:cNvSpPr/>
+          <p:nvPr/>
+        </p:nvSpPr>
+        <p:spPr>
+          <a:xfrm>
+            <a:off x="2405878" y="4061038"/>
+            <a:ext cx="1304693" cy="724829"/>
+          </a:xfrm>
+          <a:prstGeom prst="rect">
+            <a:avLst/>
+          </a:prstGeom>
+          <a:noFill/>
+          <a:ln>
+            <a:solidFill>
+              <a:schemeClr val="tx2"/>
+            </a:solidFill>
+          </a:ln>
+        </p:spPr>
+        <p:style>
+          <a:lnRef idx="2">
+            <a:schemeClr val="accent1">
+              <a:shade val="50000"/>
+            </a:schemeClr>
+          </a:lnRef>
+          <a:fillRef idx="1">
+            <a:schemeClr val="accent1"/>
+          </a:fillRef>
+          <a:effectRef idx="0">
+            <a:schemeClr val="accent1"/>
+          </a:effectRef>
+          <a:fontRef idx="minor">
+            <a:schemeClr val="lt1"/>
+          </a:fontRef>
+        </p:style>
+        <p:txBody>
+          <a:bodyPr rtlCol="0" anchor="ctr"/>
+          <a:lstStyle/>
+          <a:p>
+            <a:pPr algn="ctr"/>
+            <a:r>
+              <a:rPr lang="en-US" altLang="ko-KR" dirty="0">
+                <a:solidFill>
+                  <a:schemeClr val="tx1"/>
+                </a:solidFill>
+              </a:rPr>
+              <a:t>dealer1</a:t>
+            </a:r>
+            <a:endParaRPr lang="ko-KR" altLang="en-US" dirty="0">
+              <a:solidFill>
+                <a:schemeClr val="tx1"/>
+              </a:solidFill>
+            </a:endParaRPr>
+          </a:p>
+        </p:txBody>
+      </p:sp>
+      <p:sp>
+        <p:nvSpPr>
+          <p:cNvPr id="20" name="직사각형 19">
+            <a:extLst>
+              <a:ext uri="{FF2B5EF4-FFF2-40B4-BE49-F238E27FC236}">
+                <a16:creationId xmlns:a16="http://schemas.microsoft.com/office/drawing/2014/main" id="{4D657220-3E06-4A0C-BE0D-81BC44F62E40}"/>
+              </a:ext>
+            </a:extLst>
+          </p:cNvPr>
+          <p:cNvSpPr/>
+          <p:nvPr/>
+        </p:nvSpPr>
+        <p:spPr>
+          <a:xfrm>
+            <a:off x="1557455" y="5498548"/>
+            <a:ext cx="1304693" cy="724829"/>
+          </a:xfrm>
+          <a:prstGeom prst="rect">
+            <a:avLst/>
+          </a:prstGeom>
+          <a:noFill/>
+          <a:ln>
+            <a:solidFill>
+              <a:schemeClr val="tx2"/>
+            </a:solidFill>
+          </a:ln>
+        </p:spPr>
+        <p:style>
+          <a:lnRef idx="2">
+            <a:schemeClr val="accent1">
+              <a:shade val="50000"/>
+            </a:schemeClr>
+          </a:lnRef>
+          <a:fillRef idx="1">
+            <a:schemeClr val="accent1"/>
+          </a:fillRef>
+          <a:effectRef idx="0">
+            <a:schemeClr val="accent1"/>
+          </a:effectRef>
+          <a:fontRef idx="minor">
+            <a:schemeClr val="lt1"/>
+          </a:fontRef>
+        </p:style>
+        <p:txBody>
+          <a:bodyPr rtlCol="0" anchor="ctr"/>
+          <a:lstStyle/>
+          <a:p>
+            <a:pPr algn="ctr"/>
+            <a:r>
+              <a:rPr lang="en-US" altLang="ko-KR" dirty="0">
+                <a:solidFill>
+                  <a:schemeClr val="tx1"/>
+                </a:solidFill>
+              </a:rPr>
+              <a:t>player1.1</a:t>
+            </a:r>
+            <a:endParaRPr lang="ko-KR" altLang="en-US" dirty="0">
+              <a:solidFill>
+                <a:schemeClr val="tx1"/>
+              </a:solidFill>
+            </a:endParaRPr>
+          </a:p>
+        </p:txBody>
+      </p:sp>
+      <p:sp>
+        <p:nvSpPr>
+          <p:cNvPr id="21" name="직사각형 20">
+            <a:extLst>
+              <a:ext uri="{FF2B5EF4-FFF2-40B4-BE49-F238E27FC236}">
+                <a16:creationId xmlns:a16="http://schemas.microsoft.com/office/drawing/2014/main" id="{470554EA-DA94-4479-A067-914B3BB76CDE}"/>
+              </a:ext>
+            </a:extLst>
+          </p:cNvPr>
+          <p:cNvSpPr/>
+          <p:nvPr/>
+        </p:nvSpPr>
+        <p:spPr>
+          <a:xfrm>
+            <a:off x="3254304" y="5498548"/>
+            <a:ext cx="1304693" cy="724829"/>
+          </a:xfrm>
+          <a:prstGeom prst="rect">
+            <a:avLst/>
+          </a:prstGeom>
+          <a:noFill/>
+          <a:ln>
+            <a:solidFill>
+              <a:schemeClr val="tx2"/>
+            </a:solidFill>
+          </a:ln>
+        </p:spPr>
+        <p:style>
+          <a:lnRef idx="2">
+            <a:schemeClr val="accent1">
+              <a:shade val="50000"/>
+            </a:schemeClr>
+          </a:lnRef>
+          <a:fillRef idx="1">
+            <a:schemeClr val="accent1"/>
+          </a:fillRef>
+          <a:effectRef idx="0">
+            <a:schemeClr val="accent1"/>
+          </a:effectRef>
+          <a:fontRef idx="minor">
+            <a:schemeClr val="lt1"/>
+          </a:fontRef>
+        </p:style>
+        <p:txBody>
+          <a:bodyPr rtlCol="0" anchor="ctr"/>
+          <a:lstStyle/>
+          <a:p>
+            <a:pPr algn="ctr"/>
+            <a:r>
+              <a:rPr lang="en-US" altLang="ko-KR" dirty="0">
+                <a:solidFill>
+                  <a:schemeClr val="tx1"/>
+                </a:solidFill>
+              </a:rPr>
+              <a:t>player1.2</a:t>
+            </a:r>
+            <a:endParaRPr lang="ko-KR" altLang="en-US" dirty="0">
+              <a:solidFill>
+                <a:schemeClr val="tx1"/>
+              </a:solidFill>
+            </a:endParaRPr>
+          </a:p>
+        </p:txBody>
+      </p:sp>
+      <p:cxnSp>
+        <p:nvCxnSpPr>
+          <p:cNvPr id="22" name="직선 화살표 연결선 21">
+            <a:extLst>
+              <a:ext uri="{FF2B5EF4-FFF2-40B4-BE49-F238E27FC236}">
+                <a16:creationId xmlns:a16="http://schemas.microsoft.com/office/drawing/2014/main" id="{A29354E6-4874-404E-A1F3-3BBD6BD0F7CE}"/>
+              </a:ext>
+            </a:extLst>
+          </p:cNvPr>
+          <p:cNvCxnSpPr>
+            <a:stCxn id="19" idx="2"/>
+            <a:endCxn id="20" idx="0"/>
+          </p:cNvCxnSpPr>
+          <p:nvPr/>
+        </p:nvCxnSpPr>
+        <p:spPr>
+          <a:xfrm flipH="1">
+            <a:off x="2209802" y="4785867"/>
+            <a:ext cx="848423" cy="712681"/>
+          </a:xfrm>
+          <a:prstGeom prst="straightConnector1">
+            <a:avLst/>
+          </a:prstGeom>
+          <a:ln>
+            <a:solidFill>
+              <a:schemeClr val="tx1"/>
+            </a:solidFill>
+            <a:tailEnd type="triangle"/>
+          </a:ln>
+        </p:spPr>
+        <p:style>
+          <a:lnRef idx="1">
+            <a:schemeClr val="accent1"/>
+          </a:lnRef>
+          <a:fillRef idx="0">
+            <a:schemeClr val="accent1"/>
+          </a:fillRef>
+          <a:effectRef idx="0">
+            <a:schemeClr val="accent1"/>
+          </a:effectRef>
+          <a:fontRef idx="minor">
+            <a:schemeClr val="tx1"/>
+          </a:fontRef>
+        </p:style>
+      </p:cxnSp>
+      <p:cxnSp>
+        <p:nvCxnSpPr>
+          <p:cNvPr id="23" name="직선 화살표 연결선 22">
+            <a:extLst>
+              <a:ext uri="{FF2B5EF4-FFF2-40B4-BE49-F238E27FC236}">
+                <a16:creationId xmlns:a16="http://schemas.microsoft.com/office/drawing/2014/main" id="{1F61C553-2E60-4E18-8543-448C8660DD76}"/>
+              </a:ext>
+            </a:extLst>
+          </p:cNvPr>
+          <p:cNvCxnSpPr>
+            <a:cxnSpLocks/>
+            <a:stCxn id="19" idx="2"/>
+            <a:endCxn id="21" idx="0"/>
+          </p:cNvCxnSpPr>
+          <p:nvPr/>
+        </p:nvCxnSpPr>
+        <p:spPr>
+          <a:xfrm>
+            <a:off x="3058225" y="4785867"/>
+            <a:ext cx="848426" cy="712681"/>
+          </a:xfrm>
+          <a:prstGeom prst="straightConnector1">
+            <a:avLst/>
+          </a:prstGeom>
+          <a:ln>
+            <a:solidFill>
+              <a:schemeClr val="tx1"/>
+            </a:solidFill>
+            <a:tailEnd type="triangle"/>
+          </a:ln>
+        </p:spPr>
+        <p:style>
+          <a:lnRef idx="1">
+            <a:schemeClr val="accent1"/>
+          </a:lnRef>
+          <a:fillRef idx="0">
+            <a:schemeClr val="accent1"/>
+          </a:fillRef>
+          <a:effectRef idx="0">
+            <a:schemeClr val="accent1"/>
+          </a:effectRef>
+          <a:fontRef idx="minor">
+            <a:schemeClr val="tx1"/>
+          </a:fontRef>
+        </p:style>
+      </p:cxnSp>
+      <p:sp>
+        <p:nvSpPr>
+          <p:cNvPr id="24" name="TextBox 23">
+            <a:extLst>
+              <a:ext uri="{FF2B5EF4-FFF2-40B4-BE49-F238E27FC236}">
+                <a16:creationId xmlns:a16="http://schemas.microsoft.com/office/drawing/2014/main" id="{DBE73AC7-3AFA-488F-A872-7888D4BA5991}"/>
+              </a:ext>
+            </a:extLst>
+          </p:cNvPr>
+          <p:cNvSpPr txBox="1"/>
+          <p:nvPr/>
+        </p:nvSpPr>
+        <p:spPr>
+          <a:xfrm>
+            <a:off x="6047682" y="4982202"/>
+            <a:ext cx="1044503" cy="369332"/>
+          </a:xfrm>
+          <a:prstGeom prst="rect">
+            <a:avLst/>
+          </a:prstGeom>
+          <a:noFill/>
+        </p:spPr>
+        <p:txBody>
+          <a:bodyPr wrap="square" rtlCol="0">
+            <a:spAutoFit/>
+          </a:bodyPr>
+          <a:lstStyle/>
+          <a:p>
+            <a:r>
+              <a:rPr lang="en-US" altLang="ko-KR" dirty="0"/>
+              <a:t>Link();</a:t>
+            </a:r>
+            <a:endParaRPr lang="ko-KR" altLang="en-US" dirty="0"/>
+          </a:p>
+        </p:txBody>
+      </p:sp>
+      <p:sp>
+        <p:nvSpPr>
+          <p:cNvPr id="30" name="TextBox 29">
+            <a:extLst>
+              <a:ext uri="{FF2B5EF4-FFF2-40B4-BE49-F238E27FC236}">
+                <a16:creationId xmlns:a16="http://schemas.microsoft.com/office/drawing/2014/main" id="{CBE1AFB7-5D83-4B21-9337-81EA210138F0}"/>
+              </a:ext>
+            </a:extLst>
+          </p:cNvPr>
+          <p:cNvSpPr txBox="1"/>
+          <p:nvPr/>
+        </p:nvSpPr>
+        <p:spPr>
+          <a:xfrm>
+            <a:off x="2683256" y="4971050"/>
+            <a:ext cx="1044503" cy="369332"/>
+          </a:xfrm>
+          <a:prstGeom prst="rect">
+            <a:avLst/>
+          </a:prstGeom>
+          <a:noFill/>
+        </p:spPr>
+        <p:txBody>
+          <a:bodyPr wrap="square" rtlCol="0">
+            <a:spAutoFit/>
+          </a:bodyPr>
+          <a:lstStyle/>
+          <a:p>
+            <a:r>
+              <a:rPr lang="en-US" altLang="ko-KR" dirty="0"/>
+              <a:t>Link();</a:t>
+            </a:r>
+            <a:endParaRPr lang="ko-KR" altLang="en-US" dirty="0"/>
+          </a:p>
+        </p:txBody>
+      </p:sp>
+      <p:sp>
+        <p:nvSpPr>
+          <p:cNvPr id="32" name="직사각형 31">
+            <a:extLst>
+              <a:ext uri="{FF2B5EF4-FFF2-40B4-BE49-F238E27FC236}">
+                <a16:creationId xmlns:a16="http://schemas.microsoft.com/office/drawing/2014/main" id="{AF655B66-18F5-4E3E-800A-C9338E86E3A4}"/>
+              </a:ext>
+            </a:extLst>
+          </p:cNvPr>
+          <p:cNvSpPr/>
+          <p:nvPr/>
+        </p:nvSpPr>
+        <p:spPr>
+          <a:xfrm>
+            <a:off x="4057186" y="2488707"/>
+            <a:ext cx="1304693" cy="724829"/>
+          </a:xfrm>
+          <a:prstGeom prst="rect">
+            <a:avLst/>
+          </a:prstGeom>
+          <a:noFill/>
+          <a:ln>
+            <a:solidFill>
+              <a:schemeClr val="tx2"/>
+            </a:solidFill>
+          </a:ln>
+        </p:spPr>
+        <p:style>
+          <a:lnRef idx="2">
+            <a:schemeClr val="accent1">
+              <a:shade val="50000"/>
+            </a:schemeClr>
+          </a:lnRef>
+          <a:fillRef idx="1">
+            <a:schemeClr val="accent1"/>
+          </a:fillRef>
+          <a:effectRef idx="0">
+            <a:schemeClr val="accent1"/>
+          </a:effectRef>
+          <a:fontRef idx="minor">
+            <a:schemeClr val="lt1"/>
+          </a:fontRef>
+        </p:style>
+        <p:txBody>
+          <a:bodyPr rtlCol="0" anchor="ctr"/>
+          <a:lstStyle/>
+          <a:p>
+            <a:pPr algn="ctr"/>
+            <a:r>
+              <a:rPr lang="en-US" altLang="ko-KR" dirty="0">
+                <a:solidFill>
+                  <a:schemeClr val="tx1"/>
+                </a:solidFill>
+              </a:rPr>
+              <a:t>Manager</a:t>
+            </a:r>
+            <a:endParaRPr lang="ko-KR" altLang="en-US" dirty="0">
+              <a:solidFill>
+                <a:schemeClr val="tx1"/>
+              </a:solidFill>
+            </a:endParaRPr>
+          </a:p>
+        </p:txBody>
+      </p:sp>
+      <p:cxnSp>
+        <p:nvCxnSpPr>
+          <p:cNvPr id="34" name="직선 화살표 연결선 33">
+            <a:extLst>
+              <a:ext uri="{FF2B5EF4-FFF2-40B4-BE49-F238E27FC236}">
+                <a16:creationId xmlns:a16="http://schemas.microsoft.com/office/drawing/2014/main" id="{3BA34D23-EE54-42A0-8766-2290C9697CA5}"/>
+              </a:ext>
+            </a:extLst>
+          </p:cNvPr>
+          <p:cNvCxnSpPr>
+            <a:stCxn id="32" idx="2"/>
+            <a:endCxn id="4" idx="0"/>
+          </p:cNvCxnSpPr>
+          <p:nvPr/>
+        </p:nvCxnSpPr>
+        <p:spPr>
+          <a:xfrm>
+            <a:off x="4709533" y="3213536"/>
+            <a:ext cx="1642946" cy="847502"/>
+          </a:xfrm>
+          <a:prstGeom prst="straightConnector1">
+            <a:avLst/>
+          </a:prstGeom>
+          <a:ln>
+            <a:solidFill>
+              <a:schemeClr val="tx1"/>
+            </a:solidFill>
+            <a:tailEnd type="triangle"/>
+          </a:ln>
+        </p:spPr>
+        <p:style>
+          <a:lnRef idx="1">
+            <a:schemeClr val="accent1"/>
+          </a:lnRef>
+          <a:fillRef idx="0">
+            <a:schemeClr val="accent1"/>
+          </a:fillRef>
+          <a:effectRef idx="0">
+            <a:schemeClr val="accent1"/>
+          </a:effectRef>
+          <a:fontRef idx="minor">
+            <a:schemeClr val="tx1"/>
+          </a:fontRef>
+        </p:style>
+      </p:cxnSp>
+      <p:cxnSp>
+        <p:nvCxnSpPr>
+          <p:cNvPr id="35" name="직선 화살표 연결선 34">
+            <a:extLst>
+              <a:ext uri="{FF2B5EF4-FFF2-40B4-BE49-F238E27FC236}">
+                <a16:creationId xmlns:a16="http://schemas.microsoft.com/office/drawing/2014/main" id="{35CF98E9-29CE-4A96-A9B7-231708609A3D}"/>
+              </a:ext>
+            </a:extLst>
+          </p:cNvPr>
+          <p:cNvCxnSpPr>
+            <a:cxnSpLocks/>
+            <a:stCxn id="32" idx="2"/>
+            <a:endCxn id="19" idx="0"/>
+          </p:cNvCxnSpPr>
+          <p:nvPr/>
+        </p:nvCxnSpPr>
+        <p:spPr>
+          <a:xfrm flipH="1">
+            <a:off x="3058225" y="3213536"/>
+            <a:ext cx="1651308" cy="847502"/>
+          </a:xfrm>
+          <a:prstGeom prst="straightConnector1">
+            <a:avLst/>
+          </a:prstGeom>
+          <a:ln>
+            <a:solidFill>
+              <a:schemeClr val="tx1"/>
+            </a:solidFill>
+            <a:tailEnd type="triangle"/>
+          </a:ln>
+        </p:spPr>
+        <p:style>
+          <a:lnRef idx="1">
+            <a:schemeClr val="accent1"/>
+          </a:lnRef>
+          <a:fillRef idx="0">
+            <a:schemeClr val="accent1"/>
+          </a:fillRef>
+          <a:effectRef idx="0">
+            <a:schemeClr val="accent1"/>
+          </a:effectRef>
+          <a:fontRef idx="minor">
+            <a:schemeClr val="tx1"/>
+          </a:fontRef>
+        </p:style>
+      </p:cxnSp>
+      <p:sp>
+        <p:nvSpPr>
+          <p:cNvPr id="38" name="직사각형 37">
+            <a:extLst>
+              <a:ext uri="{FF2B5EF4-FFF2-40B4-BE49-F238E27FC236}">
+                <a16:creationId xmlns:a16="http://schemas.microsoft.com/office/drawing/2014/main" id="{41B501FB-64CA-4617-9E62-EB4C3777701D}"/>
+              </a:ext>
+            </a:extLst>
+          </p:cNvPr>
+          <p:cNvSpPr/>
+          <p:nvPr/>
+        </p:nvSpPr>
+        <p:spPr>
+          <a:xfrm>
+            <a:off x="9321489" y="365125"/>
+            <a:ext cx="2032311" cy="517253"/>
+          </a:xfrm>
+          <a:prstGeom prst="rect">
+            <a:avLst/>
+          </a:prstGeom>
+          <a:noFill/>
+          <a:ln>
+            <a:solidFill>
+              <a:schemeClr val="tx2"/>
+            </a:solidFill>
+          </a:ln>
+        </p:spPr>
+        <p:style>
+          <a:lnRef idx="2">
+            <a:schemeClr val="accent1">
+              <a:shade val="50000"/>
+            </a:schemeClr>
+          </a:lnRef>
+          <a:fillRef idx="1">
+            <a:schemeClr val="accent1"/>
+          </a:fillRef>
+          <a:effectRef idx="0">
+            <a:schemeClr val="accent1"/>
+          </a:effectRef>
+          <a:fontRef idx="minor">
+            <a:schemeClr val="lt1"/>
+          </a:fontRef>
+        </p:style>
+        <p:txBody>
+          <a:bodyPr rtlCol="0" anchor="ctr"/>
+          <a:lstStyle/>
+          <a:p>
+            <a:pPr algn="ctr"/>
+            <a:r>
+              <a:rPr lang="en-US" altLang="ko-KR" dirty="0">
+                <a:solidFill>
+                  <a:schemeClr val="tx1"/>
+                </a:solidFill>
+              </a:rPr>
+              <a:t>dealer</a:t>
+            </a:r>
+            <a:endParaRPr lang="ko-KR" altLang="en-US" dirty="0">
+              <a:solidFill>
+                <a:schemeClr val="tx1"/>
+              </a:solidFill>
+            </a:endParaRPr>
+          </a:p>
+        </p:txBody>
+      </p:sp>
+      <p:sp>
+        <p:nvSpPr>
+          <p:cNvPr id="39" name="직사각형 38">
+            <a:extLst>
+              <a:ext uri="{FF2B5EF4-FFF2-40B4-BE49-F238E27FC236}">
+                <a16:creationId xmlns:a16="http://schemas.microsoft.com/office/drawing/2014/main" id="{42948210-27F9-4D52-80D6-9FC506319F85}"/>
+              </a:ext>
+            </a:extLst>
+          </p:cNvPr>
+          <p:cNvSpPr/>
+          <p:nvPr/>
+        </p:nvSpPr>
+        <p:spPr>
+          <a:xfrm>
+            <a:off x="9321489" y="882379"/>
+            <a:ext cx="2032311" cy="1959478"/>
+          </a:xfrm>
+          <a:prstGeom prst="rect">
+            <a:avLst/>
+          </a:prstGeom>
+          <a:noFill/>
+          <a:ln>
+            <a:solidFill>
+              <a:schemeClr val="tx2"/>
+            </a:solidFill>
+          </a:ln>
+        </p:spPr>
+        <p:style>
+          <a:lnRef idx="2">
+            <a:schemeClr val="accent1">
+              <a:shade val="50000"/>
+            </a:schemeClr>
+          </a:lnRef>
+          <a:fillRef idx="1">
+            <a:schemeClr val="accent1"/>
+          </a:fillRef>
+          <a:effectRef idx="0">
+            <a:schemeClr val="accent1"/>
+          </a:effectRef>
+          <a:fontRef idx="minor">
+            <a:schemeClr val="lt1"/>
+          </a:fontRef>
+        </p:style>
+        <p:txBody>
+          <a:bodyPr rtlCol="0" anchor="ctr"/>
+          <a:lstStyle/>
+          <a:p>
+            <a:pPr algn="ctr"/>
+            <a:r>
+              <a:rPr lang="en-US" altLang="ko-KR" dirty="0">
+                <a:solidFill>
+                  <a:schemeClr val="tx1"/>
+                </a:solidFill>
+              </a:rPr>
+              <a:t>Lay();</a:t>
+            </a:r>
+          </a:p>
+          <a:p>
+            <a:pPr algn="ctr"/>
+            <a:r>
+              <a:rPr lang="en-US" altLang="ko-KR" dirty="0" err="1">
+                <a:solidFill>
+                  <a:schemeClr val="tx1"/>
+                </a:solidFill>
+              </a:rPr>
+              <a:t>IsGameOver</a:t>
+            </a:r>
+            <a:r>
+              <a:rPr lang="en-US" altLang="ko-KR" dirty="0">
+                <a:solidFill>
+                  <a:schemeClr val="tx1"/>
+                </a:solidFill>
+              </a:rPr>
+              <a:t>();</a:t>
+            </a:r>
+          </a:p>
+          <a:p>
+            <a:pPr algn="ctr"/>
+            <a:r>
+              <a:rPr lang="en-US" altLang="ko-KR" dirty="0" err="1">
+                <a:solidFill>
+                  <a:schemeClr val="tx1"/>
+                </a:solidFill>
+              </a:rPr>
+              <a:t>ModifyField</a:t>
+            </a:r>
+            <a:r>
+              <a:rPr lang="en-US" altLang="ko-KR" dirty="0">
+                <a:solidFill>
+                  <a:schemeClr val="tx1"/>
+                </a:solidFill>
+              </a:rPr>
+              <a:t>();</a:t>
+            </a:r>
+          </a:p>
+          <a:p>
+            <a:pPr algn="ctr"/>
+            <a:r>
+              <a:rPr lang="en-US" altLang="ko-KR" dirty="0" err="1">
+                <a:solidFill>
+                  <a:schemeClr val="tx1"/>
+                </a:solidFill>
+              </a:rPr>
+              <a:t>ModifyNode</a:t>
+            </a:r>
+            <a:r>
+              <a:rPr lang="en-US" altLang="ko-KR" dirty="0">
+                <a:solidFill>
+                  <a:schemeClr val="tx1"/>
+                </a:solidFill>
+              </a:rPr>
+              <a:t>();</a:t>
+            </a:r>
+          </a:p>
+          <a:p>
+            <a:pPr algn="ctr"/>
+            <a:r>
+              <a:rPr lang="en-US" altLang="ko-KR" dirty="0" err="1">
+                <a:solidFill>
+                  <a:schemeClr val="tx1"/>
+                </a:solidFill>
+              </a:rPr>
+              <a:t>CreateField</a:t>
+            </a:r>
+            <a:r>
+              <a:rPr lang="en-US" altLang="ko-KR" dirty="0">
+                <a:solidFill>
+                  <a:schemeClr val="tx1"/>
+                </a:solidFill>
+              </a:rPr>
+              <a:t>();</a:t>
+            </a:r>
+          </a:p>
+        </p:txBody>
+      </p:sp>
+    </p:spTree>
+    <p:extLst>
+      <p:ext uri="{BB962C8B-B14F-4D97-AF65-F5344CB8AC3E}">
+        <p14:creationId xmlns:p14="http://schemas.microsoft.com/office/powerpoint/2010/main" val="2516634525"/>
       </p:ext>
     </p:extLst>
   </p:cSld>
